--- a/slide/Extended Events.pptx
+++ b/slide/Extended Events.pptx
@@ -5,14 +5,15 @@
     <p:sldMasterId id="2147483660" r:id="rId4"/>
   </p:sldMasterIdLst>
   <p:handoutMasterIdLst>
-    <p:handoutMasterId r:id="rId10"/>
+    <p:handoutMasterId r:id="rId11"/>
   </p:handoutMasterIdLst>
   <p:sldIdLst>
     <p:sldId id="257" r:id="rId5"/>
     <p:sldId id="258" r:id="rId6"/>
     <p:sldId id="260" r:id="rId7"/>
     <p:sldId id="261" r:id="rId8"/>
-    <p:sldId id="259" r:id="rId9"/>
+    <p:sldId id="262" r:id="rId9"/>
+    <p:sldId id="259" r:id="rId10"/>
   </p:sldIdLst>
   <p:sldSz cx="9144000" cy="6858000" type="screen4x3"/>
   <p:notesSz cx="6858000" cy="9144000"/>
@@ -4967,25 +4968,6 @@
           </a:p>
         </p:txBody>
       </p:sp>
-      <p:sp>
-        <p:nvSpPr>
-          <p:cNvPr id="4" name="Espaço Reservado para Texto 3"/>
-          <p:cNvSpPr>
-            <a:spLocks noGrp="1"/>
-          </p:cNvSpPr>
-          <p:nvPr>
-            <p:ph type="body" sz="quarter" idx="15"/>
-          </p:nvPr>
-        </p:nvSpPr>
-        <p:spPr/>
-        <p:txBody>
-          <a:bodyPr/>
-          <a:lstStyle/>
-          <a:p>
-            <a:endParaRPr lang="pt-BR" dirty="0"/>
-          </a:p>
-        </p:txBody>
-      </p:sp>
     </p:spTree>
     <p:extLst>
       <p:ext uri="{BB962C8B-B14F-4D97-AF65-F5344CB8AC3E}">
@@ -5086,59 +5068,6 @@
             </a:endParaRPr>
           </a:p>
           <a:p>
-            <a:pPr marL="0" indent="0" algn="l">
-              <a:buNone/>
-            </a:pPr>
-            <a:r>
-              <a:rPr lang="pt-BR" sz="2400" b="0" i="0" dirty="0">
-                <a:solidFill>
-                  <a:schemeClr val="bg2">
-                    <a:lumMod val="50000"/>
-                  </a:schemeClr>
-                </a:solidFill>
-                <a:effectLst/>
-                <a:latin typeface="Euphemia" panose="020B0503040102020104" pitchFamily="34" charset="0"/>
-              </a:rPr>
-              <a:t>Quando você cria uma sessão de eventos estendidos, você informa o sistema:</a:t>
-            </a:r>
-          </a:p>
-          <a:p>
-            <a:pPr algn="l">
-              <a:buFont typeface="Arial" panose="020B0604020202020204" pitchFamily="34" charset="0"/>
-              <a:buChar char="•"/>
-            </a:pPr>
-            <a:r>
-              <a:rPr lang="pt-BR" sz="2400" b="0" i="0" dirty="0">
-                <a:solidFill>
-                  <a:schemeClr val="bg2">
-                    <a:lumMod val="50000"/>
-                  </a:schemeClr>
-                </a:solidFill>
-                <a:effectLst/>
-                <a:latin typeface="Euphemia" panose="020B0503040102020104" pitchFamily="34" charset="0"/>
-              </a:rPr>
-              <a:t>Das ocorrências que lhe interessam.</a:t>
-            </a:r>
-          </a:p>
-          <a:p>
-            <a:pPr algn="l">
-              <a:buFont typeface="Arial" panose="020B0604020202020204" pitchFamily="34" charset="0"/>
-              <a:buChar char="•"/>
-            </a:pPr>
-            <a:r>
-              <a:rPr lang="pt-BR" sz="2400" b="0" i="0" dirty="0">
-                <a:solidFill>
-                  <a:schemeClr val="bg2">
-                    <a:lumMod val="50000"/>
-                  </a:schemeClr>
-                </a:solidFill>
-                <a:effectLst/>
-                <a:latin typeface="Euphemia" panose="020B0503040102020104" pitchFamily="34" charset="0"/>
-              </a:rPr>
-              <a:t>Como você deseja que o sistema relate os dados para você.</a:t>
-            </a:r>
-          </a:p>
-          <a:p>
             <a:pPr marL="0" indent="0">
               <a:buNone/>
             </a:pPr>
@@ -5172,23 +5101,42 @@
           <a:p>
             <a:r>
               <a:rPr lang="pt-BR" dirty="0"/>
-              <a:t>O que é </a:t>
-            </a:r>
-            <a:r>
-              <a:rPr lang="pt-BR" dirty="0" err="1"/>
-              <a:t>extended</a:t>
-            </a:r>
-            <a:r>
-              <a:rPr lang="pt-BR" dirty="0"/>
-              <a:t> </a:t>
-            </a:r>
-            <a:r>
-              <a:rPr lang="pt-BR" dirty="0" err="1"/>
-              <a:t>events</a:t>
-            </a:r>
-            <a:r>
-              <a:rPr lang="pt-BR" dirty="0"/>
-              <a:t>?</a:t>
+              <a:t>O que são eventos estendidos?</a:t>
+            </a:r>
+          </a:p>
+        </p:txBody>
+      </p:sp>
+      <p:sp>
+        <p:nvSpPr>
+          <p:cNvPr id="4" name="CaixaDeTexto 3">
+            <a:extLst>
+              <a:ext uri="{FF2B5EF4-FFF2-40B4-BE49-F238E27FC236}">
+                <a16:creationId xmlns:a16="http://schemas.microsoft.com/office/drawing/2014/main" id="{D92A3132-DB52-4110-9A21-16EBB6BEC701}"/>
+              </a:ext>
+            </a:extLst>
+          </p:cNvPr>
+          <p:cNvSpPr txBox="1"/>
+          <p:nvPr/>
+        </p:nvSpPr>
+        <p:spPr>
+          <a:xfrm>
+            <a:off x="628648" y="5462691"/>
+            <a:ext cx="4634144" cy="307777"/>
+          </a:xfrm>
+          <a:prstGeom prst="rect">
+            <a:avLst/>
+          </a:prstGeom>
+          <a:noFill/>
+        </p:spPr>
+        <p:txBody>
+          <a:bodyPr wrap="square" rtlCol="0">
+            <a:spAutoFit/>
+          </a:bodyPr>
+          <a:lstStyle/>
+          <a:p>
+            <a:r>
+              <a:rPr lang="pt-BR" sz="1400" dirty="0"/>
+              <a:t>Fonte: Documentação Microsoft – SQL Server</a:t>
             </a:r>
           </a:p>
         </p:txBody>
@@ -5244,6 +5192,15 @@
           <a:bodyPr/>
           <a:lstStyle/>
           <a:p>
+            <a:r>
+              <a:rPr lang="pt-BR" dirty="0"/>
+              <a:t>Serve para ver detalhes sobre as operações internas do sistema SQL e da sua aplicação</a:t>
+            </a:r>
+          </a:p>
+          <a:p>
+            <a:endParaRPr lang="pt-BR" dirty="0"/>
+          </a:p>
+          <a:p>
             <a:endParaRPr lang="pt-BR" dirty="0"/>
           </a:p>
         </p:txBody>
@@ -5274,6 +5231,71 @@
             <a:r>
               <a:rPr lang="pt-BR" dirty="0"/>
               <a:t>Para que serve?</a:t>
+            </a:r>
+          </a:p>
+        </p:txBody>
+      </p:sp>
+      <p:pic>
+        <p:nvPicPr>
+          <p:cNvPr id="4" name="Imagem 3">
+            <a:extLst>
+              <a:ext uri="{FF2B5EF4-FFF2-40B4-BE49-F238E27FC236}">
+                <a16:creationId xmlns:a16="http://schemas.microsoft.com/office/drawing/2014/main" id="{DF6D9FE3-E3DC-4C17-A420-AD13902E0D0B}"/>
+              </a:ext>
+            </a:extLst>
+          </p:cNvPr>
+          <p:cNvPicPr>
+            <a:picLocks noChangeAspect="1"/>
+          </p:cNvPicPr>
+          <p:nvPr/>
+        </p:nvPicPr>
+        <p:blipFill>
+          <a:blip r:embed="rId2"/>
+          <a:stretch>
+            <a:fillRect/>
+          </a:stretch>
+        </p:blipFill>
+        <p:spPr>
+          <a:xfrm>
+            <a:off x="884567" y="2399972"/>
+            <a:ext cx="5439534" cy="2715004"/>
+          </a:xfrm>
+          <a:prstGeom prst="rect">
+            <a:avLst/>
+          </a:prstGeom>
+        </p:spPr>
+      </p:pic>
+      <p:sp>
+        <p:nvSpPr>
+          <p:cNvPr id="5" name="CaixaDeTexto 4">
+            <a:extLst>
+              <a:ext uri="{FF2B5EF4-FFF2-40B4-BE49-F238E27FC236}">
+                <a16:creationId xmlns:a16="http://schemas.microsoft.com/office/drawing/2014/main" id="{85ED0552-297B-4D84-94AE-78F2917B6A77}"/>
+              </a:ext>
+            </a:extLst>
+          </p:cNvPr>
+          <p:cNvSpPr txBox="1"/>
+          <p:nvPr/>
+        </p:nvSpPr>
+        <p:spPr>
+          <a:xfrm>
+            <a:off x="628648" y="5462691"/>
+            <a:ext cx="4634144" cy="307777"/>
+          </a:xfrm>
+          <a:prstGeom prst="rect">
+            <a:avLst/>
+          </a:prstGeom>
+          <a:noFill/>
+        </p:spPr>
+        <p:txBody>
+          <a:bodyPr wrap="square" rtlCol="0">
+            <a:spAutoFit/>
+          </a:bodyPr>
+          <a:lstStyle/>
+          <a:p>
+            <a:r>
+              <a:rPr lang="pt-BR" sz="1400" dirty="0"/>
+              <a:t>Fonte: Criação própria</a:t>
             </a:r>
           </a:p>
         </p:txBody>
@@ -5310,31 +5332,6 @@
       </p:grpSpPr>
       <p:sp>
         <p:nvSpPr>
-          <p:cNvPr id="2" name="Espaço Reservado para Conteúdo 1">
-            <a:extLst>
-              <a:ext uri="{FF2B5EF4-FFF2-40B4-BE49-F238E27FC236}">
-                <a16:creationId xmlns:a16="http://schemas.microsoft.com/office/drawing/2014/main" id="{C5A36F05-33BA-4EF9-807B-886E482A205E}"/>
-              </a:ext>
-            </a:extLst>
-          </p:cNvPr>
-          <p:cNvSpPr>
-            <a:spLocks noGrp="1"/>
-          </p:cNvSpPr>
-          <p:nvPr>
-            <p:ph idx="1"/>
-          </p:nvPr>
-        </p:nvSpPr>
-        <p:spPr/>
-        <p:txBody>
-          <a:bodyPr/>
-          <a:lstStyle/>
-          <a:p>
-            <a:endParaRPr lang="pt-BR"/>
-          </a:p>
-        </p:txBody>
-      </p:sp>
-      <p:sp>
-        <p:nvSpPr>
           <p:cNvPr id="3" name="Espaço Reservado para Texto 2">
             <a:extLst>
               <a:ext uri="{FF2B5EF4-FFF2-40B4-BE49-F238E27FC236}">
@@ -5351,10 +5348,108 @@
         </p:nvSpPr>
         <p:spPr/>
         <p:txBody>
+          <a:bodyPr>
+            <a:normAutofit lnSpcReduction="10000"/>
+          </a:bodyPr>
+          <a:lstStyle/>
+          <a:p>
+            <a:r>
+              <a:rPr lang="pt-BR" dirty="0"/>
+              <a:t>Itens</a:t>
+            </a:r>
+          </a:p>
+        </p:txBody>
+      </p:sp>
+      <p:sp>
+        <p:nvSpPr>
+          <p:cNvPr id="9" name="Espaço Reservado para Conteúdo 8">
+            <a:extLst>
+              <a:ext uri="{FF2B5EF4-FFF2-40B4-BE49-F238E27FC236}">
+                <a16:creationId xmlns:a16="http://schemas.microsoft.com/office/drawing/2014/main" id="{2D475E07-682E-44C1-A769-BD8CBA1AE31F}"/>
+              </a:ext>
+            </a:extLst>
+          </p:cNvPr>
+          <p:cNvSpPr>
+            <a:spLocks noGrp="1"/>
+          </p:cNvSpPr>
+          <p:nvPr>
+            <p:ph idx="1"/>
+          </p:nvPr>
+        </p:nvSpPr>
+        <p:spPr/>
+        <p:txBody>
           <a:bodyPr/>
           <a:lstStyle/>
           <a:p>
-            <a:endParaRPr lang="pt-BR"/>
+            <a:r>
+              <a:rPr lang="pt-BR" dirty="0"/>
+              <a:t>Exemplo de lista de itens que podem ser detalhados</a:t>
+            </a:r>
+          </a:p>
+        </p:txBody>
+      </p:sp>
+      <p:pic>
+        <p:nvPicPr>
+          <p:cNvPr id="12" name="Imagem 11">
+            <a:extLst>
+              <a:ext uri="{FF2B5EF4-FFF2-40B4-BE49-F238E27FC236}">
+                <a16:creationId xmlns:a16="http://schemas.microsoft.com/office/drawing/2014/main" id="{30F484C7-2DB4-4FE3-BA53-8E60D885CBF4}"/>
+              </a:ext>
+            </a:extLst>
+          </p:cNvPr>
+          <p:cNvPicPr>
+            <a:picLocks noChangeAspect="1"/>
+          </p:cNvPicPr>
+          <p:nvPr/>
+        </p:nvPicPr>
+        <p:blipFill>
+          <a:blip r:embed="rId2"/>
+          <a:stretch>
+            <a:fillRect/>
+          </a:stretch>
+        </p:blipFill>
+        <p:spPr>
+          <a:xfrm>
+            <a:off x="628649" y="2322029"/>
+            <a:ext cx="4935663" cy="2931656"/>
+          </a:xfrm>
+          <a:prstGeom prst="rect">
+            <a:avLst/>
+          </a:prstGeom>
+        </p:spPr>
+      </p:pic>
+      <p:sp>
+        <p:nvSpPr>
+          <p:cNvPr id="13" name="CaixaDeTexto 12">
+            <a:extLst>
+              <a:ext uri="{FF2B5EF4-FFF2-40B4-BE49-F238E27FC236}">
+                <a16:creationId xmlns:a16="http://schemas.microsoft.com/office/drawing/2014/main" id="{F7FDA449-95F8-4B5C-9CE5-97CDEE9ABCA2}"/>
+              </a:ext>
+            </a:extLst>
+          </p:cNvPr>
+          <p:cNvSpPr txBox="1"/>
+          <p:nvPr/>
+        </p:nvSpPr>
+        <p:spPr>
+          <a:xfrm>
+            <a:off x="628648" y="5462691"/>
+            <a:ext cx="4634144" cy="307777"/>
+          </a:xfrm>
+          <a:prstGeom prst="rect">
+            <a:avLst/>
+          </a:prstGeom>
+          <a:noFill/>
+        </p:spPr>
+        <p:txBody>
+          <a:bodyPr wrap="square" rtlCol="0">
+            <a:spAutoFit/>
+          </a:bodyPr>
+          <a:lstStyle/>
+          <a:p>
+            <a:r>
+              <a:rPr lang="pt-BR" sz="1400" dirty="0"/>
+              <a:t>Fonte: Documentação Microsoft – SQL Server</a:t>
+            </a:r>
           </a:p>
         </p:txBody>
       </p:sp>
@@ -5372,6 +5467,164 @@
 </file>
 
 <file path=ppt/slides/slide5.xml><?xml version="1.0" encoding="utf-8"?>
+<p:sld xmlns:a="http://schemas.openxmlformats.org/drawingml/2006/main" xmlns:r="http://schemas.openxmlformats.org/officeDocument/2006/relationships" xmlns:p="http://schemas.openxmlformats.org/presentationml/2006/main">
+  <p:cSld>
+    <p:spTree>
+      <p:nvGrpSpPr>
+        <p:cNvPr id="1" name=""/>
+        <p:cNvGrpSpPr/>
+        <p:nvPr/>
+      </p:nvGrpSpPr>
+      <p:grpSpPr>
+        <a:xfrm>
+          <a:off x="0" y="0"/>
+          <a:ext cx="0" cy="0"/>
+          <a:chOff x="0" y="0"/>
+          <a:chExt cx="0" cy="0"/>
+        </a:xfrm>
+      </p:grpSpPr>
+      <p:sp>
+        <p:nvSpPr>
+          <p:cNvPr id="3" name="Espaço Reservado para Texto 2">
+            <a:extLst>
+              <a:ext uri="{FF2B5EF4-FFF2-40B4-BE49-F238E27FC236}">
+                <a16:creationId xmlns:a16="http://schemas.microsoft.com/office/drawing/2014/main" id="{FEC1B8B3-4F1B-4BF3-A9AD-DB2010A1DAA0}"/>
+              </a:ext>
+            </a:extLst>
+          </p:cNvPr>
+          <p:cNvSpPr>
+            <a:spLocks noGrp="1"/>
+          </p:cNvSpPr>
+          <p:nvPr>
+            <p:ph type="body" sz="quarter" idx="13"/>
+          </p:nvPr>
+        </p:nvSpPr>
+        <p:spPr/>
+        <p:txBody>
+          <a:bodyPr>
+            <a:normAutofit lnSpcReduction="10000"/>
+          </a:bodyPr>
+          <a:lstStyle/>
+          <a:p>
+            <a:r>
+              <a:rPr lang="pt-BR" dirty="0"/>
+              <a:t>Pacotes e Tipos</a:t>
+            </a:r>
+          </a:p>
+        </p:txBody>
+      </p:sp>
+      <p:sp>
+        <p:nvSpPr>
+          <p:cNvPr id="9" name="Espaço Reservado para Conteúdo 8">
+            <a:extLst>
+              <a:ext uri="{FF2B5EF4-FFF2-40B4-BE49-F238E27FC236}">
+                <a16:creationId xmlns:a16="http://schemas.microsoft.com/office/drawing/2014/main" id="{2D475E07-682E-44C1-A769-BD8CBA1AE31F}"/>
+              </a:ext>
+            </a:extLst>
+          </p:cNvPr>
+          <p:cNvSpPr>
+            <a:spLocks noGrp="1"/>
+          </p:cNvSpPr>
+          <p:nvPr>
+            <p:ph idx="1"/>
+          </p:nvPr>
+        </p:nvSpPr>
+        <p:spPr>
+          <a:xfrm>
+            <a:off x="690794" y="1140823"/>
+            <a:ext cx="7886700" cy="5036140"/>
+          </a:xfrm>
+        </p:spPr>
+        <p:txBody>
+          <a:bodyPr/>
+          <a:lstStyle/>
+          <a:p>
+            <a:r>
+              <a:rPr lang="pt-BR" dirty="0"/>
+              <a:t>Os itens são acessados através de pacotes</a:t>
+            </a:r>
+          </a:p>
+        </p:txBody>
+      </p:sp>
+      <p:pic>
+        <p:nvPicPr>
+          <p:cNvPr id="2" name="Imagem 1">
+            <a:extLst>
+              <a:ext uri="{FF2B5EF4-FFF2-40B4-BE49-F238E27FC236}">
+                <a16:creationId xmlns:a16="http://schemas.microsoft.com/office/drawing/2014/main" id="{4FB64E7D-F78D-4B96-87E3-A34AC0C4897D}"/>
+              </a:ext>
+            </a:extLst>
+          </p:cNvPr>
+          <p:cNvPicPr>
+            <a:picLocks noChangeAspect="1"/>
+          </p:cNvPicPr>
+          <p:nvPr/>
+        </p:nvPicPr>
+        <p:blipFill>
+          <a:blip r:embed="rId2"/>
+          <a:stretch>
+            <a:fillRect/>
+          </a:stretch>
+        </p:blipFill>
+        <p:spPr>
+          <a:xfrm>
+            <a:off x="628649" y="2165091"/>
+            <a:ext cx="7039992" cy="3259123"/>
+          </a:xfrm>
+          <a:prstGeom prst="rect">
+            <a:avLst/>
+          </a:prstGeom>
+        </p:spPr>
+      </p:pic>
+      <p:sp>
+        <p:nvSpPr>
+          <p:cNvPr id="6" name="CaixaDeTexto 5">
+            <a:extLst>
+              <a:ext uri="{FF2B5EF4-FFF2-40B4-BE49-F238E27FC236}">
+                <a16:creationId xmlns:a16="http://schemas.microsoft.com/office/drawing/2014/main" id="{D5D77EF4-2ABD-40F2-9615-201C7B99A6F0}"/>
+              </a:ext>
+            </a:extLst>
+          </p:cNvPr>
+          <p:cNvSpPr txBox="1"/>
+          <p:nvPr/>
+        </p:nvSpPr>
+        <p:spPr>
+          <a:xfrm>
+            <a:off x="628648" y="5462691"/>
+            <a:ext cx="4634144" cy="307777"/>
+          </a:xfrm>
+          <a:prstGeom prst="rect">
+            <a:avLst/>
+          </a:prstGeom>
+          <a:noFill/>
+        </p:spPr>
+        <p:txBody>
+          <a:bodyPr wrap="square" rtlCol="0">
+            <a:spAutoFit/>
+          </a:bodyPr>
+          <a:lstStyle/>
+          <a:p>
+            <a:r>
+              <a:rPr lang="pt-BR" sz="1400" dirty="0"/>
+              <a:t>Fonte: Documentação Microsoft – SQL Server</a:t>
+            </a:r>
+          </a:p>
+        </p:txBody>
+      </p:sp>
+    </p:spTree>
+    <p:extLst>
+      <p:ext uri="{BB962C8B-B14F-4D97-AF65-F5344CB8AC3E}">
+        <p14:creationId xmlns:p14="http://schemas.microsoft.com/office/powerpoint/2010/main" val="4235383595"/>
+      </p:ext>
+    </p:extLst>
+  </p:cSld>
+  <p:clrMapOvr>
+    <a:masterClrMapping/>
+  </p:clrMapOvr>
+</p:sld>
+</file>
+
+<file path=ppt/slides/slide6.xml><?xml version="1.0" encoding="utf-8"?>
 <p:sld xmlns:a="http://schemas.openxmlformats.org/drawingml/2006/main" xmlns:r="http://schemas.openxmlformats.org/officeDocument/2006/relationships" xmlns:p="http://schemas.openxmlformats.org/presentationml/2006/main">
   <p:cSld>
     <p:bg>
@@ -5402,25 +5655,6 @@
           <a:chExt cx="0" cy="0"/>
         </a:xfrm>
       </p:grpSpPr>
-      <p:sp>
-        <p:nvSpPr>
-          <p:cNvPr id="2" name="Espaço Reservado para Texto 1"/>
-          <p:cNvSpPr>
-            <a:spLocks noGrp="1"/>
-          </p:cNvSpPr>
-          <p:nvPr>
-            <p:ph type="body" sz="quarter" idx="16"/>
-          </p:nvPr>
-        </p:nvSpPr>
-        <p:spPr/>
-        <p:txBody>
-          <a:bodyPr/>
-          <a:lstStyle/>
-          <a:p>
-            <a:endParaRPr lang="pt-BR" dirty="0"/>
-          </a:p>
-        </p:txBody>
-      </p:sp>
     </p:spTree>
     <p:extLst>
       <p:ext uri="{BB962C8B-B14F-4D97-AF65-F5344CB8AC3E}">
@@ -5957,12 +6191,9 @@
 </file>
 
 <file path=customXml/item1.xml><?xml version="1.0" encoding="utf-8"?>
-<?mso-contentType ?>
-<FormTemplates xmlns="http://schemas.microsoft.com/sharepoint/v3/contenttype/forms">
-  <Display>DocumentLibraryForm</Display>
-  <Edit>DocumentLibraryForm</Edit>
-  <New>DocumentLibraryForm</New>
-</FormTemplates>
+<p:properties xmlns:p="http://schemas.microsoft.com/office/2006/metadata/properties" xmlns:xsi="http://www.w3.org/2001/XMLSchema-instance" xmlns:pc="http://schemas.microsoft.com/office/infopath/2007/PartnerControls">
+  <documentManagement/>
+</p:properties>
 </file>
 
 <file path=customXml/item2.xml><?xml version="1.0" encoding="utf-8"?>
@@ -6183,15 +6414,27 @@
 </file>
 
 <file path=customXml/item3.xml><?xml version="1.0" encoding="utf-8"?>
-<p:properties xmlns:p="http://schemas.microsoft.com/office/2006/metadata/properties" xmlns:xsi="http://www.w3.org/2001/XMLSchema-instance" xmlns:pc="http://schemas.microsoft.com/office/infopath/2007/PartnerControls">
-  <documentManagement/>
-</p:properties>
+<?mso-contentType ?>
+<FormTemplates xmlns="http://schemas.microsoft.com/sharepoint/v3/contenttype/forms">
+  <Display>DocumentLibraryForm</Display>
+  <Edit>DocumentLibraryForm</Edit>
+  <New>DocumentLibraryForm</New>
+</FormTemplates>
 </file>
 
 <file path=customXml/itemProps1.xml><?xml version="1.0" encoding="utf-8"?>
-<ds:datastoreItem xmlns:ds="http://schemas.openxmlformats.org/officeDocument/2006/customXml" ds:itemID="{8AEFDE86-9ABD-4B53-9EB0-611E0710241D}">
+<ds:datastoreItem xmlns:ds="http://schemas.openxmlformats.org/officeDocument/2006/customXml" ds:itemID="{7598036D-8F24-4150-8883-4040B39D685E}">
   <ds:schemaRefs>
-    <ds:schemaRef ds:uri="http://schemas.microsoft.com/sharepoint/v3/contenttype/forms"/>
+    <ds:schemaRef ds:uri="56135199-fddc-46f9-8522-4d2f2df906d6"/>
+    <ds:schemaRef ds:uri="http://schemas.microsoft.com/office/2006/documentManagement/types"/>
+    <ds:schemaRef ds:uri="http://www.w3.org/XML/1998/namespace"/>
+    <ds:schemaRef ds:uri="http://purl.org/dc/terms/"/>
+    <ds:schemaRef ds:uri="http://purl.org/dc/dcmitype/"/>
+    <ds:schemaRef ds:uri="http://schemas.microsoft.com/office/2006/metadata/properties"/>
+    <ds:schemaRef ds:uri="http://purl.org/dc/elements/1.1/"/>
+    <ds:schemaRef ds:uri="http://schemas.microsoft.com/office/infopath/2007/PartnerControls"/>
+    <ds:schemaRef ds:uri="http://schemas.openxmlformats.org/package/2006/metadata/core-properties"/>
+    <ds:schemaRef ds:uri="616ddcb6-37a4-4b68-9e62-eadd2126515b"/>
   </ds:schemaRefs>
 </ds:datastoreItem>
 </file>
@@ -6216,10 +6459,9 @@
 </file>
 
 <file path=customXml/itemProps3.xml><?xml version="1.0" encoding="utf-8"?>
-<ds:datastoreItem xmlns:ds="http://schemas.openxmlformats.org/officeDocument/2006/customXml" ds:itemID="{7598036D-8F24-4150-8883-4040B39D685E}">
+<ds:datastoreItem xmlns:ds="http://schemas.openxmlformats.org/officeDocument/2006/customXml" ds:itemID="{8AEFDE86-9ABD-4B53-9EB0-611E0710241D}">
   <ds:schemaRefs>
-    <ds:schemaRef ds:uri="http://schemas.microsoft.com/office/2006/metadata/properties"/>
-    <ds:schemaRef ds:uri="http://schemas.microsoft.com/office/infopath/2007/PartnerControls"/>
+    <ds:schemaRef ds:uri="http://schemas.microsoft.com/sharepoint/v3/contenttype/forms"/>
   </ds:schemaRefs>
 </ds:datastoreItem>
 </file>
--- a/slide/Extended Events.pptx
+++ b/slide/Extended Events.pptx
@@ -5136,8 +5136,32 @@
           <a:p>
             <a:r>
               <a:rPr lang="pt-BR" sz="1400" dirty="0"/>
-              <a:t>Fonte: Documentação Microsoft – SQL Server</a:t>
-            </a:r>
+              <a:t>Fonte: </a:t>
+            </a:r>
+            <a:r>
+              <a:rPr lang="pt-BR" sz="1400" dirty="0">
+                <a:solidFill>
+                  <a:schemeClr val="bg2">
+                    <a:lumMod val="10000"/>
+                  </a:schemeClr>
+                </a:solidFill>
+                <a:hlinkClick r:id="rId2">
+                  <a:extLst>
+                    <a:ext uri="{A12FA001-AC4F-418D-AE19-62706E023703}">
+                      <ahyp:hlinkClr xmlns:ahyp="http://schemas.microsoft.com/office/drawing/2018/hyperlinkcolor" val="tx"/>
+                    </a:ext>
+                  </a:extLst>
+                </a:hlinkClick>
+              </a:rPr>
+              <a:t>Documentação Microsoft – SQL Server</a:t>
+            </a:r>
+            <a:endParaRPr lang="pt-BR" sz="1400" dirty="0">
+              <a:solidFill>
+                <a:schemeClr val="bg2">
+                  <a:lumMod val="10000"/>
+                </a:schemeClr>
+              </a:solidFill>
+            </a:endParaRPr>
           </a:p>
         </p:txBody>
       </p:sp>
@@ -5448,8 +5472,32 @@
           <a:p>
             <a:r>
               <a:rPr lang="pt-BR" sz="1400" dirty="0"/>
-              <a:t>Fonte: Documentação Microsoft – SQL Server</a:t>
-            </a:r>
+              <a:t>Fonte: </a:t>
+            </a:r>
+            <a:r>
+              <a:rPr lang="pt-BR" sz="1400" dirty="0">
+                <a:solidFill>
+                  <a:schemeClr val="bg2">
+                    <a:lumMod val="10000"/>
+                  </a:schemeClr>
+                </a:solidFill>
+                <a:hlinkClick r:id="rId3">
+                  <a:extLst>
+                    <a:ext uri="{A12FA001-AC4F-418D-AE19-62706E023703}">
+                      <ahyp:hlinkClr xmlns:ahyp="http://schemas.microsoft.com/office/drawing/2018/hyperlinkcolor" val="tx"/>
+                    </a:ext>
+                  </a:extLst>
+                </a:hlinkClick>
+              </a:rPr>
+              <a:t>Documentação Microsoft – SQL Server</a:t>
+            </a:r>
+            <a:endParaRPr lang="pt-BR" sz="1400" dirty="0">
+              <a:solidFill>
+                <a:schemeClr val="bg2">
+                  <a:lumMod val="10000"/>
+                </a:schemeClr>
+              </a:solidFill>
+            </a:endParaRPr>
           </a:p>
         </p:txBody>
       </p:sp>
@@ -5606,8 +5654,32 @@
           <a:p>
             <a:r>
               <a:rPr lang="pt-BR" sz="1400" dirty="0"/>
-              <a:t>Fonte: Documentação Microsoft – SQL Server</a:t>
-            </a:r>
+              <a:t>Fonte: </a:t>
+            </a:r>
+            <a:r>
+              <a:rPr lang="pt-BR" sz="1400" dirty="0">
+                <a:solidFill>
+                  <a:schemeClr val="bg2">
+                    <a:lumMod val="10000"/>
+                  </a:schemeClr>
+                </a:solidFill>
+                <a:hlinkClick r:id="rId3">
+                  <a:extLst>
+                    <a:ext uri="{A12FA001-AC4F-418D-AE19-62706E023703}">
+                      <ahyp:hlinkClr xmlns:ahyp="http://schemas.microsoft.com/office/drawing/2018/hyperlinkcolor" val="tx"/>
+                    </a:ext>
+                  </a:extLst>
+                </a:hlinkClick>
+              </a:rPr>
+              <a:t>Documentação Microsoft – SQL Server</a:t>
+            </a:r>
+            <a:endParaRPr lang="pt-BR" sz="1400" dirty="0">
+              <a:solidFill>
+                <a:schemeClr val="bg2">
+                  <a:lumMod val="10000"/>
+                </a:schemeClr>
+              </a:solidFill>
+            </a:endParaRPr>
           </a:p>
         </p:txBody>
       </p:sp>
@@ -6191,12 +6263,6 @@
 </file>
 
 <file path=customXml/item1.xml><?xml version="1.0" encoding="utf-8"?>
-<p:properties xmlns:p="http://schemas.microsoft.com/office/2006/metadata/properties" xmlns:xsi="http://www.w3.org/2001/XMLSchema-instance" xmlns:pc="http://schemas.microsoft.com/office/infopath/2007/PartnerControls">
-  <documentManagement/>
-</p:properties>
-</file>
-
-<file path=customXml/item2.xml><?xml version="1.0" encoding="utf-8"?>
 <ct:contentTypeSchema xmlns:ct="http://schemas.microsoft.com/office/2006/metadata/contentType" xmlns:ma="http://schemas.microsoft.com/office/2006/metadata/properties/metaAttributes" ct:_="" ma:_="" ma:contentTypeName="Documento" ma:contentTypeID="0x0101001C0BDCB75C490F449996D271113E7085" ma:contentTypeVersion="12" ma:contentTypeDescription="Crie um novo documento." ma:contentTypeScope="" ma:versionID="f78031fe7deaa61be8293be56c3571d3">
   <xsd:schema xmlns:xsd="http://www.w3.org/2001/XMLSchema" xmlns:xs="http://www.w3.org/2001/XMLSchema" xmlns:p="http://schemas.microsoft.com/office/2006/metadata/properties" xmlns:ns2="56135199-fddc-46f9-8522-4d2f2df906d6" xmlns:ns3="616ddcb6-37a4-4b68-9e62-eadd2126515b" targetNamespace="http://schemas.microsoft.com/office/2006/metadata/properties" ma:root="true" ma:fieldsID="84b82f449ed318020166b0b852c53661" ns2:_="" ns3:_="">
     <xsd:import namespace="56135199-fddc-46f9-8522-4d2f2df906d6"/>
@@ -6413,6 +6479,12 @@
 </ct:contentTypeSchema>
 </file>
 
+<file path=customXml/item2.xml><?xml version="1.0" encoding="utf-8"?>
+<p:properties xmlns:p="http://schemas.microsoft.com/office/2006/metadata/properties" xmlns:xsi="http://www.w3.org/2001/XMLSchema-instance" xmlns:pc="http://schemas.microsoft.com/office/infopath/2007/PartnerControls">
+  <documentManagement/>
+</p:properties>
+</file>
+
 <file path=customXml/item3.xml><?xml version="1.0" encoding="utf-8"?>
 <?mso-contentType ?>
 <FormTemplates xmlns="http://schemas.microsoft.com/sharepoint/v3/contenttype/forms">
@@ -6423,23 +6495,6 @@
 </file>
 
 <file path=customXml/itemProps1.xml><?xml version="1.0" encoding="utf-8"?>
-<ds:datastoreItem xmlns:ds="http://schemas.openxmlformats.org/officeDocument/2006/customXml" ds:itemID="{7598036D-8F24-4150-8883-4040B39D685E}">
-  <ds:schemaRefs>
-    <ds:schemaRef ds:uri="56135199-fddc-46f9-8522-4d2f2df906d6"/>
-    <ds:schemaRef ds:uri="http://schemas.microsoft.com/office/2006/documentManagement/types"/>
-    <ds:schemaRef ds:uri="http://www.w3.org/XML/1998/namespace"/>
-    <ds:schemaRef ds:uri="http://purl.org/dc/terms/"/>
-    <ds:schemaRef ds:uri="http://purl.org/dc/dcmitype/"/>
-    <ds:schemaRef ds:uri="http://schemas.microsoft.com/office/2006/metadata/properties"/>
-    <ds:schemaRef ds:uri="http://purl.org/dc/elements/1.1/"/>
-    <ds:schemaRef ds:uri="http://schemas.microsoft.com/office/infopath/2007/PartnerControls"/>
-    <ds:schemaRef ds:uri="http://schemas.openxmlformats.org/package/2006/metadata/core-properties"/>
-    <ds:schemaRef ds:uri="616ddcb6-37a4-4b68-9e62-eadd2126515b"/>
-  </ds:schemaRefs>
-</ds:datastoreItem>
-</file>
-
-<file path=customXml/itemProps2.xml><?xml version="1.0" encoding="utf-8"?>
 <ds:datastoreItem xmlns:ds="http://schemas.openxmlformats.org/officeDocument/2006/customXml" ds:itemID="{DD46F767-487D-45A7-9383-4F9F29521278}">
   <ds:schemaRefs>
     <ds:schemaRef ds:uri="http://schemas.microsoft.com/office/2006/metadata/contentType"/>
@@ -6458,6 +6513,23 @@
 </ds:datastoreItem>
 </file>
 
+<file path=customXml/itemProps2.xml><?xml version="1.0" encoding="utf-8"?>
+<ds:datastoreItem xmlns:ds="http://schemas.openxmlformats.org/officeDocument/2006/customXml" ds:itemID="{7598036D-8F24-4150-8883-4040B39D685E}">
+  <ds:schemaRefs>
+    <ds:schemaRef ds:uri="56135199-fddc-46f9-8522-4d2f2df906d6"/>
+    <ds:schemaRef ds:uri="http://schemas.microsoft.com/office/2006/documentManagement/types"/>
+    <ds:schemaRef ds:uri="http://www.w3.org/XML/1998/namespace"/>
+    <ds:schemaRef ds:uri="http://purl.org/dc/terms/"/>
+    <ds:schemaRef ds:uri="http://purl.org/dc/dcmitype/"/>
+    <ds:schemaRef ds:uri="http://schemas.microsoft.com/office/2006/metadata/properties"/>
+    <ds:schemaRef ds:uri="http://purl.org/dc/elements/1.1/"/>
+    <ds:schemaRef ds:uri="http://schemas.microsoft.com/office/infopath/2007/PartnerControls"/>
+    <ds:schemaRef ds:uri="http://schemas.openxmlformats.org/package/2006/metadata/core-properties"/>
+    <ds:schemaRef ds:uri="616ddcb6-37a4-4b68-9e62-eadd2126515b"/>
+  </ds:schemaRefs>
+</ds:datastoreItem>
+</file>
+
 <file path=customXml/itemProps3.xml><?xml version="1.0" encoding="utf-8"?>
 <ds:datastoreItem xmlns:ds="http://schemas.openxmlformats.org/officeDocument/2006/customXml" ds:itemID="{8AEFDE86-9ABD-4B53-9EB0-611E0710241D}">
   <ds:schemaRefs>
